--- a/pitch_contest_SB_v2.pptx
+++ b/pitch_contest_SB_v2.pptx
@@ -197,7 +197,7 @@
           <a:p>
             <a:fld id="{D05042A6-6A78-4E6D-A0F9-1F061657B529}" type="datetimeFigureOut">
               <a:rPr lang="en-NL" smtClean="0"/>
-              <a:t>04/06/2023</a:t>
+              <a:t>06/04/2023</a:t>
             </a:fld>
             <a:endParaRPr lang="en-NL"/>
           </a:p>
@@ -8219,7 +8219,7 @@
         </p:nvSpPr>
         <p:spPr>
           <a:xfrm>
-            <a:off x="1011767" y="1912726"/>
+            <a:off x="1011767" y="1764913"/>
             <a:ext cx="5959484" cy="369332"/>
           </a:xfrm>
           <a:prstGeom prst="rect">
@@ -8243,10 +8243,10 @@
       </p:sp>
       <p:pic>
         <p:nvPicPr>
-          <p:cNvPr id="9" name="Graphic 8">
+          <p:cNvPr id="3" name="Graphic 2">
             <a:extLst>
               <a:ext uri="{FF2B5EF4-FFF2-40B4-BE49-F238E27FC236}">
-                <a16:creationId xmlns:a16="http://schemas.microsoft.com/office/drawing/2014/main" id="{9B83DE13-E7ED-A416-6B3B-A584AB712E4A}"/>
+                <a16:creationId xmlns:a16="http://schemas.microsoft.com/office/drawing/2014/main" id="{4EE43CA1-D9D0-B61D-197C-44B112A16F08}"/>
               </a:ext>
             </a:extLst>
           </p:cNvPr>
@@ -8272,20 +8272,87 @@
         </p:blipFill>
         <p:spPr>
           <a:xfrm>
-            <a:off x="-16777" y="2469727"/>
-            <a:ext cx="7651032" cy="3616521"/>
+            <a:off x="159450" y="2309527"/>
+            <a:ext cx="7047466" cy="2490049"/>
           </a:xfrm>
           <a:prstGeom prst="rect">
             <a:avLst/>
           </a:prstGeom>
         </p:spPr>
       </p:pic>
+      <p:sp>
+        <p:nvSpPr>
+          <p:cNvPr id="4" name="TextBox 3">
+            <a:extLst>
+              <a:ext uri="{FF2B5EF4-FFF2-40B4-BE49-F238E27FC236}">
+                <a16:creationId xmlns:a16="http://schemas.microsoft.com/office/drawing/2014/main" id="{A20C56B0-1B12-6DE8-9714-319D4F198063}"/>
+              </a:ext>
+            </a:extLst>
+          </p:cNvPr>
+          <p:cNvSpPr txBox="1"/>
+          <p:nvPr/>
+        </p:nvSpPr>
+        <p:spPr>
+          <a:xfrm>
+            <a:off x="1191127" y="5033657"/>
+            <a:ext cx="11423984" cy="646331"/>
+          </a:xfrm>
+          <a:prstGeom prst="rect">
+            <a:avLst/>
+          </a:prstGeom>
+          <a:noFill/>
+        </p:spPr>
+        <p:txBody>
+          <a:bodyPr wrap="square" rtlCol="0">
+            <a:spAutoFit/>
+          </a:bodyPr>
+          <a:lstStyle/>
+          <a:p>
+            <a:r>
+              <a:rPr lang="nl-NL" b="1" dirty="0" err="1"/>
+              <a:t>Conclusion</a:t>
+            </a:r>
+            <a:endParaRPr lang="nl-NL" b="1" dirty="0"/>
+          </a:p>
+          <a:p>
+            <a:r>
+              <a:rPr lang="nl-NL" dirty="0" err="1"/>
+              <a:t>Explored</a:t>
+            </a:r>
+            <a:r>
+              <a:rPr lang="nl-NL" dirty="0"/>
+              <a:t> </a:t>
+            </a:r>
+            <a:r>
+              <a:rPr lang="nl-NL" dirty="0" err="1"/>
+              <a:t>methods</a:t>
+            </a:r>
+            <a:r>
+              <a:rPr lang="nl-NL" dirty="0"/>
+              <a:t> </a:t>
+            </a:r>
+            <a:r>
+              <a:rPr lang="nl-NL" dirty="0" err="1"/>
+              <a:t>improve</a:t>
+            </a:r>
+            <a:r>
+              <a:rPr lang="nl-NL" dirty="0"/>
+              <a:t> performance </a:t>
+            </a:r>
+            <a:r>
+              <a:rPr lang="nl-NL" dirty="0" err="1"/>
+              <a:t>considerably</a:t>
+            </a:r>
+            <a:endParaRPr lang="en-GB" dirty="0"/>
+          </a:p>
+        </p:txBody>
+      </p:sp>
       <p:pic>
         <p:nvPicPr>
-          <p:cNvPr id="10" name="Picture 9" descr="A picture containing text, screenshot, diagram, plot&#10;&#10;Description automatically generated">
+          <p:cNvPr id="11" name="Graphic 10">
             <a:extLst>
               <a:ext uri="{FF2B5EF4-FFF2-40B4-BE49-F238E27FC236}">
-                <a16:creationId xmlns:a16="http://schemas.microsoft.com/office/drawing/2014/main" id="{D8C4C86F-DAA6-645C-8D4A-896640EF63AE}"/>
+                <a16:creationId xmlns:a16="http://schemas.microsoft.com/office/drawing/2014/main" id="{633EA53E-0238-B584-45CF-1F4807D6F1F0}"/>
               </a:ext>
             </a:extLst>
           </p:cNvPr>
@@ -8300,6 +8367,9 @@
               <a:ext uri="{28A0092B-C50C-407E-A947-70E740481C1C}">
                 <a14:useLocalDpi xmlns:a14="http://schemas.microsoft.com/office/drawing/2010/main" val="0"/>
               </a:ext>
+              <a:ext uri="{96DAC541-7B7A-43D3-8B79-37D633B846F1}">
+                <asvg:svgBlip xmlns:asvg="http://schemas.microsoft.com/office/drawing/2016/SVG/main" r:embed="rId6"/>
+              </a:ext>
             </a:extLst>
           </a:blip>
           <a:stretch>
@@ -8308,8 +8378,8 @@
         </p:blipFill>
         <p:spPr>
           <a:xfrm>
-            <a:off x="7524505" y="2479614"/>
-            <a:ext cx="4667495" cy="3605579"/>
+            <a:off x="7400925" y="2309527"/>
+            <a:ext cx="4631625" cy="3477491"/>
           </a:xfrm>
           <a:prstGeom prst="rect">
             <a:avLst/>
